--- a/assets/Thumbnail.pptx
+++ b/assets/Thumbnail.pptx
@@ -700,7 +700,7 @@
           <a:p>
             <a:fld id="{2D5D9A25-0011-4363-9577-3B0EEC70DA4E}" type="datetimeFigureOut">
               <a:rPr lang="en-PH" smtClean="0"/>
-              <a:t>05/12/2024</a:t>
+              <a:t>4/25/2025</a:t>
             </a:fld>
             <a:endParaRPr lang="en-PH"/>
           </a:p>
@@ -989,7 +989,7 @@
           <a:p>
             <a:fld id="{2D5D9A25-0011-4363-9577-3B0EEC70DA4E}" type="datetimeFigureOut">
               <a:rPr lang="en-PH" smtClean="0"/>
-              <a:t>05/12/2024</a:t>
+              <a:t>4/25/2025</a:t>
             </a:fld>
             <a:endParaRPr lang="en-PH"/>
           </a:p>
@@ -1189,7 +1189,7 @@
           <a:p>
             <a:fld id="{2D5D9A25-0011-4363-9577-3B0EEC70DA4E}" type="datetimeFigureOut">
               <a:rPr lang="en-PH" smtClean="0"/>
-              <a:t>05/12/2024</a:t>
+              <a:t>4/25/2025</a:t>
             </a:fld>
             <a:endParaRPr lang="en-PH"/>
           </a:p>
@@ -1399,7 +1399,7 @@
           <a:p>
             <a:fld id="{2D5D9A25-0011-4363-9577-3B0EEC70DA4E}" type="datetimeFigureOut">
               <a:rPr lang="en-PH" smtClean="0"/>
-              <a:t>05/12/2024</a:t>
+              <a:t>4/25/2025</a:t>
             </a:fld>
             <a:endParaRPr lang="en-PH"/>
           </a:p>
@@ -1599,7 +1599,7 @@
           <a:p>
             <a:fld id="{2D5D9A25-0011-4363-9577-3B0EEC70DA4E}" type="datetimeFigureOut">
               <a:rPr lang="en-PH" smtClean="0"/>
-              <a:t>05/12/2024</a:t>
+              <a:t>4/25/2025</a:t>
             </a:fld>
             <a:endParaRPr lang="en-PH"/>
           </a:p>
@@ -1875,7 +1875,7 @@
           <a:p>
             <a:fld id="{2D5D9A25-0011-4363-9577-3B0EEC70DA4E}" type="datetimeFigureOut">
               <a:rPr lang="en-PH" smtClean="0"/>
-              <a:t>05/12/2024</a:t>
+              <a:t>4/25/2025</a:t>
             </a:fld>
             <a:endParaRPr lang="en-PH"/>
           </a:p>
@@ -2143,7 +2143,7 @@
           <a:p>
             <a:fld id="{2D5D9A25-0011-4363-9577-3B0EEC70DA4E}" type="datetimeFigureOut">
               <a:rPr lang="en-PH" smtClean="0"/>
-              <a:t>05/12/2024</a:t>
+              <a:t>4/25/2025</a:t>
             </a:fld>
             <a:endParaRPr lang="en-PH"/>
           </a:p>
@@ -2558,7 +2558,7 @@
           <a:p>
             <a:fld id="{2D5D9A25-0011-4363-9577-3B0EEC70DA4E}" type="datetimeFigureOut">
               <a:rPr lang="en-PH" smtClean="0"/>
-              <a:t>05/12/2024</a:t>
+              <a:t>4/25/2025</a:t>
             </a:fld>
             <a:endParaRPr lang="en-PH"/>
           </a:p>
@@ -2700,7 +2700,7 @@
           <a:p>
             <a:fld id="{2D5D9A25-0011-4363-9577-3B0EEC70DA4E}" type="datetimeFigureOut">
               <a:rPr lang="en-PH" smtClean="0"/>
-              <a:t>05/12/2024</a:t>
+              <a:t>4/25/2025</a:t>
             </a:fld>
             <a:endParaRPr lang="en-PH"/>
           </a:p>
@@ -2813,7 +2813,7 @@
           <a:p>
             <a:fld id="{2D5D9A25-0011-4363-9577-3B0EEC70DA4E}" type="datetimeFigureOut">
               <a:rPr lang="en-PH" smtClean="0"/>
-              <a:t>05/12/2024</a:t>
+              <a:t>4/25/2025</a:t>
             </a:fld>
             <a:endParaRPr lang="en-PH"/>
           </a:p>
@@ -3135,7 +3135,7 @@
           <a:p>
             <a:fld id="{2D5D9A25-0011-4363-9577-3B0EEC70DA4E}" type="datetimeFigureOut">
               <a:rPr lang="en-PH" smtClean="0"/>
-              <a:t>05/12/2024</a:t>
+              <a:t>4/25/2025</a:t>
             </a:fld>
             <a:endParaRPr lang="en-PH"/>
           </a:p>
@@ -3611,7 +3611,7 @@
           <a:p>
             <a:fld id="{2D5D9A25-0011-4363-9577-3B0EEC70DA4E}" type="datetimeFigureOut">
               <a:rPr lang="en-PH" smtClean="0"/>
-              <a:t>05/12/2024</a:t>
+              <a:t>4/25/2025</a:t>
             </a:fld>
             <a:endParaRPr lang="en-PH"/>
           </a:p>
@@ -3854,7 +3854,7 @@
           <a:p>
             <a:fld id="{2D5D9A25-0011-4363-9577-3B0EEC70DA4E}" type="datetimeFigureOut">
               <a:rPr lang="en-PH" smtClean="0"/>
-              <a:t>05/12/2024</a:t>
+              <a:t>4/25/2025</a:t>
             </a:fld>
             <a:endParaRPr lang="en-PH"/>
           </a:p>
@@ -4295,7 +4295,7 @@
           <a:p>
             <a:r>
               <a:rPr lang="en-US" dirty="0"/>
-              <a:t>UPGRADING MY</a:t>
+              <a:t>DELORA CANTO</a:t>
             </a:r>
           </a:p>
           <a:p>
@@ -4303,7 +4303,6 @@
               <a:rPr lang="en-US" dirty="0"/>
               <a:t>HOUSE</a:t>
             </a:r>
-            <a:endParaRPr lang="en-PH" dirty="0"/>
           </a:p>
         </p:txBody>
       </p:sp>
@@ -4330,7 +4329,7 @@
           <a:p>
             <a:r>
               <a:rPr lang="en-US" dirty="0"/>
-              <a:t>43</a:t>
+              <a:t>47</a:t>
             </a:r>
             <a:endParaRPr lang="en-PH" dirty="0"/>
           </a:p>

--- a/assets/Thumbnail.pptx
+++ b/assets/Thumbnail.pptx
@@ -700,7 +700,7 @@
           <a:p>
             <a:fld id="{2D5D9A25-0011-4363-9577-3B0EEC70DA4E}" type="datetimeFigureOut">
               <a:rPr lang="en-PH" smtClean="0"/>
-              <a:t>4/25/2025</a:t>
+              <a:t>4/30/2025</a:t>
             </a:fld>
             <a:endParaRPr lang="en-PH"/>
           </a:p>
@@ -989,7 +989,7 @@
           <a:p>
             <a:fld id="{2D5D9A25-0011-4363-9577-3B0EEC70DA4E}" type="datetimeFigureOut">
               <a:rPr lang="en-PH" smtClean="0"/>
-              <a:t>4/25/2025</a:t>
+              <a:t>4/30/2025</a:t>
             </a:fld>
             <a:endParaRPr lang="en-PH"/>
           </a:p>
@@ -1189,7 +1189,7 @@
           <a:p>
             <a:fld id="{2D5D9A25-0011-4363-9577-3B0EEC70DA4E}" type="datetimeFigureOut">
               <a:rPr lang="en-PH" smtClean="0"/>
-              <a:t>4/25/2025</a:t>
+              <a:t>4/30/2025</a:t>
             </a:fld>
             <a:endParaRPr lang="en-PH"/>
           </a:p>
@@ -1399,7 +1399,7 @@
           <a:p>
             <a:fld id="{2D5D9A25-0011-4363-9577-3B0EEC70DA4E}" type="datetimeFigureOut">
               <a:rPr lang="en-PH" smtClean="0"/>
-              <a:t>4/25/2025</a:t>
+              <a:t>4/30/2025</a:t>
             </a:fld>
             <a:endParaRPr lang="en-PH"/>
           </a:p>
@@ -1599,7 +1599,7 @@
           <a:p>
             <a:fld id="{2D5D9A25-0011-4363-9577-3B0EEC70DA4E}" type="datetimeFigureOut">
               <a:rPr lang="en-PH" smtClean="0"/>
-              <a:t>4/25/2025</a:t>
+              <a:t>4/30/2025</a:t>
             </a:fld>
             <a:endParaRPr lang="en-PH"/>
           </a:p>
@@ -1875,7 +1875,7 @@
           <a:p>
             <a:fld id="{2D5D9A25-0011-4363-9577-3B0EEC70DA4E}" type="datetimeFigureOut">
               <a:rPr lang="en-PH" smtClean="0"/>
-              <a:t>4/25/2025</a:t>
+              <a:t>4/30/2025</a:t>
             </a:fld>
             <a:endParaRPr lang="en-PH"/>
           </a:p>
@@ -2143,7 +2143,7 @@
           <a:p>
             <a:fld id="{2D5D9A25-0011-4363-9577-3B0EEC70DA4E}" type="datetimeFigureOut">
               <a:rPr lang="en-PH" smtClean="0"/>
-              <a:t>4/25/2025</a:t>
+              <a:t>4/30/2025</a:t>
             </a:fld>
             <a:endParaRPr lang="en-PH"/>
           </a:p>
@@ -2558,7 +2558,7 @@
           <a:p>
             <a:fld id="{2D5D9A25-0011-4363-9577-3B0EEC70DA4E}" type="datetimeFigureOut">
               <a:rPr lang="en-PH" smtClean="0"/>
-              <a:t>4/25/2025</a:t>
+              <a:t>4/30/2025</a:t>
             </a:fld>
             <a:endParaRPr lang="en-PH"/>
           </a:p>
@@ -2700,7 +2700,7 @@
           <a:p>
             <a:fld id="{2D5D9A25-0011-4363-9577-3B0EEC70DA4E}" type="datetimeFigureOut">
               <a:rPr lang="en-PH" smtClean="0"/>
-              <a:t>4/25/2025</a:t>
+              <a:t>4/30/2025</a:t>
             </a:fld>
             <a:endParaRPr lang="en-PH"/>
           </a:p>
@@ -2813,7 +2813,7 @@
           <a:p>
             <a:fld id="{2D5D9A25-0011-4363-9577-3B0EEC70DA4E}" type="datetimeFigureOut">
               <a:rPr lang="en-PH" smtClean="0"/>
-              <a:t>4/25/2025</a:t>
+              <a:t>4/30/2025</a:t>
             </a:fld>
             <a:endParaRPr lang="en-PH"/>
           </a:p>
@@ -3135,7 +3135,7 @@
           <a:p>
             <a:fld id="{2D5D9A25-0011-4363-9577-3B0EEC70DA4E}" type="datetimeFigureOut">
               <a:rPr lang="en-PH" smtClean="0"/>
-              <a:t>4/25/2025</a:t>
+              <a:t>4/30/2025</a:t>
             </a:fld>
             <a:endParaRPr lang="en-PH"/>
           </a:p>
@@ -3611,7 +3611,7 @@
           <a:p>
             <a:fld id="{2D5D9A25-0011-4363-9577-3B0EEC70DA4E}" type="datetimeFigureOut">
               <a:rPr lang="en-PH" smtClean="0"/>
-              <a:t>4/25/2025</a:t>
+              <a:t>4/30/2025</a:t>
             </a:fld>
             <a:endParaRPr lang="en-PH"/>
           </a:p>
@@ -3854,7 +3854,7 @@
           <a:p>
             <a:fld id="{2D5D9A25-0011-4363-9577-3B0EEC70DA4E}" type="datetimeFigureOut">
               <a:rPr lang="en-PH" smtClean="0"/>
-              <a:t>4/25/2025</a:t>
+              <a:t>4/30/2025</a:t>
             </a:fld>
             <a:endParaRPr lang="en-PH"/>
           </a:p>
@@ -4295,13 +4295,13 @@
           <a:p>
             <a:r>
               <a:rPr lang="en-US" dirty="0"/>
-              <a:t>DELORA CANTO</a:t>
+              <a:t>CHANGING</a:t>
             </a:r>
           </a:p>
           <a:p>
             <a:r>
               <a:rPr lang="en-US" dirty="0"/>
-              <a:t>HOUSE</a:t>
+              <a:t>PHOTO</a:t>
             </a:r>
           </a:p>
         </p:txBody>
@@ -4329,7 +4329,7 @@
           <a:p>
             <a:r>
               <a:rPr lang="en-US" dirty="0"/>
-              <a:t>47</a:t>
+              <a:t>48</a:t>
             </a:r>
             <a:endParaRPr lang="en-PH" dirty="0"/>
           </a:p>

--- a/assets/Thumbnail.pptx
+++ b/assets/Thumbnail.pptx
@@ -700,7 +700,7 @@
           <a:p>
             <a:fld id="{2D5D9A25-0011-4363-9577-3B0EEC70DA4E}" type="datetimeFigureOut">
               <a:rPr lang="en-PH" smtClean="0"/>
-              <a:t>4/30/2025</a:t>
+              <a:t>6/21/2025</a:t>
             </a:fld>
             <a:endParaRPr lang="en-PH"/>
           </a:p>
@@ -989,7 +989,7 @@
           <a:p>
             <a:fld id="{2D5D9A25-0011-4363-9577-3B0EEC70DA4E}" type="datetimeFigureOut">
               <a:rPr lang="en-PH" smtClean="0"/>
-              <a:t>4/30/2025</a:t>
+              <a:t>6/21/2025</a:t>
             </a:fld>
             <a:endParaRPr lang="en-PH"/>
           </a:p>
@@ -1189,7 +1189,7 @@
           <a:p>
             <a:fld id="{2D5D9A25-0011-4363-9577-3B0EEC70DA4E}" type="datetimeFigureOut">
               <a:rPr lang="en-PH" smtClean="0"/>
-              <a:t>4/30/2025</a:t>
+              <a:t>6/21/2025</a:t>
             </a:fld>
             <a:endParaRPr lang="en-PH"/>
           </a:p>
@@ -1399,7 +1399,7 @@
           <a:p>
             <a:fld id="{2D5D9A25-0011-4363-9577-3B0EEC70DA4E}" type="datetimeFigureOut">
               <a:rPr lang="en-PH" smtClean="0"/>
-              <a:t>4/30/2025</a:t>
+              <a:t>6/21/2025</a:t>
             </a:fld>
             <a:endParaRPr lang="en-PH"/>
           </a:p>
@@ -1599,7 +1599,7 @@
           <a:p>
             <a:fld id="{2D5D9A25-0011-4363-9577-3B0EEC70DA4E}" type="datetimeFigureOut">
               <a:rPr lang="en-PH" smtClean="0"/>
-              <a:t>4/30/2025</a:t>
+              <a:t>6/21/2025</a:t>
             </a:fld>
             <a:endParaRPr lang="en-PH"/>
           </a:p>
@@ -1875,7 +1875,7 @@
           <a:p>
             <a:fld id="{2D5D9A25-0011-4363-9577-3B0EEC70DA4E}" type="datetimeFigureOut">
               <a:rPr lang="en-PH" smtClean="0"/>
-              <a:t>4/30/2025</a:t>
+              <a:t>6/21/2025</a:t>
             </a:fld>
             <a:endParaRPr lang="en-PH"/>
           </a:p>
@@ -2143,7 +2143,7 @@
           <a:p>
             <a:fld id="{2D5D9A25-0011-4363-9577-3B0EEC70DA4E}" type="datetimeFigureOut">
               <a:rPr lang="en-PH" smtClean="0"/>
-              <a:t>4/30/2025</a:t>
+              <a:t>6/21/2025</a:t>
             </a:fld>
             <a:endParaRPr lang="en-PH"/>
           </a:p>
@@ -2558,7 +2558,7 @@
           <a:p>
             <a:fld id="{2D5D9A25-0011-4363-9577-3B0EEC70DA4E}" type="datetimeFigureOut">
               <a:rPr lang="en-PH" smtClean="0"/>
-              <a:t>4/30/2025</a:t>
+              <a:t>6/21/2025</a:t>
             </a:fld>
             <a:endParaRPr lang="en-PH"/>
           </a:p>
@@ -2700,7 +2700,7 @@
           <a:p>
             <a:fld id="{2D5D9A25-0011-4363-9577-3B0EEC70DA4E}" type="datetimeFigureOut">
               <a:rPr lang="en-PH" smtClean="0"/>
-              <a:t>4/30/2025</a:t>
+              <a:t>6/21/2025</a:t>
             </a:fld>
             <a:endParaRPr lang="en-PH"/>
           </a:p>
@@ -2813,7 +2813,7 @@
           <a:p>
             <a:fld id="{2D5D9A25-0011-4363-9577-3B0EEC70DA4E}" type="datetimeFigureOut">
               <a:rPr lang="en-PH" smtClean="0"/>
-              <a:t>4/30/2025</a:t>
+              <a:t>6/21/2025</a:t>
             </a:fld>
             <a:endParaRPr lang="en-PH"/>
           </a:p>
@@ -3135,7 +3135,7 @@
           <a:p>
             <a:fld id="{2D5D9A25-0011-4363-9577-3B0EEC70DA4E}" type="datetimeFigureOut">
               <a:rPr lang="en-PH" smtClean="0"/>
-              <a:t>4/30/2025</a:t>
+              <a:t>6/21/2025</a:t>
             </a:fld>
             <a:endParaRPr lang="en-PH"/>
           </a:p>
@@ -3611,7 +3611,7 @@
           <a:p>
             <a:fld id="{2D5D9A25-0011-4363-9577-3B0EEC70DA4E}" type="datetimeFigureOut">
               <a:rPr lang="en-PH" smtClean="0"/>
-              <a:t>4/30/2025</a:t>
+              <a:t>6/21/2025</a:t>
             </a:fld>
             <a:endParaRPr lang="en-PH"/>
           </a:p>
@@ -3854,7 +3854,7 @@
           <a:p>
             <a:fld id="{2D5D9A25-0011-4363-9577-3B0EEC70DA4E}" type="datetimeFigureOut">
               <a:rPr lang="en-PH" smtClean="0"/>
-              <a:t>4/30/2025</a:t>
+              <a:t>6/21/2025</a:t>
             </a:fld>
             <a:endParaRPr lang="en-PH"/>
           </a:p>
@@ -4295,13 +4295,19 @@
           <a:p>
             <a:r>
               <a:rPr lang="en-US" dirty="0"/>
-              <a:t>CHANGING</a:t>
+              <a:t>SATELLITE</a:t>
             </a:r>
           </a:p>
           <a:p>
             <a:r>
               <a:rPr lang="en-US" dirty="0"/>
-              <a:t>PHOTO</a:t>
+              <a:t>TOWERS </a:t>
+            </a:r>
+          </a:p>
+          <a:p>
+            <a:r>
+              <a:rPr lang="en-US" dirty="0"/>
+              <a:t>IN GLOBAL</a:t>
             </a:r>
           </a:p>
         </p:txBody>
@@ -4329,7 +4335,7 @@
           <a:p>
             <a:r>
               <a:rPr lang="en-US" dirty="0"/>
-              <a:t>48</a:t>
+              <a:t>49</a:t>
             </a:r>
             <a:endParaRPr lang="en-PH" dirty="0"/>
           </a:p>
